--- a/wiki/v3-example-04_TOTOISE.pptx
+++ b/wiki/v3-example-04_TOTOISE.pptx
@@ -6,6 +6,7 @@
   </p:sldMasterIdLst>
   <p:sldIdLst>
     <p:sldId id="256" r:id="rId2"/>
+    <p:sldId id="257" r:id="rId3"/>
   </p:sldIdLst>
   <p:sldSz cx="12192000" cy="6858000"/>
   <p:notesSz cx="6858000" cy="9144000"/>
@@ -4940,6 +4941,300 @@
 </p:sld>
 </file>
 
+<file path=ppt/slides/slide2.xml><?xml version="1.0" encoding="utf-8"?>
+<p:sld xmlns:a="http://schemas.openxmlformats.org/drawingml/2006/main" xmlns:r="http://schemas.openxmlformats.org/officeDocument/2006/relationships" xmlns:p="http://schemas.openxmlformats.org/presentationml/2006/main">
+  <p:cSld>
+    <p:bg>
+      <p:bgPr>
+        <a:solidFill>
+          <a:schemeClr val="bg1"/>
+        </a:solidFill>
+        <a:effectLst/>
+      </p:bgPr>
+    </p:bg>
+    <p:spTree>
+      <p:nvGrpSpPr>
+        <p:cNvPr id="1" name=""/>
+        <p:cNvGrpSpPr/>
+        <p:nvPr/>
+      </p:nvGrpSpPr>
+      <p:grpSpPr>
+        <a:xfrm>
+          <a:off x="0" y="0"/>
+          <a:ext cx="0" cy="0"/>
+          <a:chOff x="0" y="0"/>
+          <a:chExt cx="0" cy="0"/>
+        </a:xfrm>
+      </p:grpSpPr>
+      <p:sp>
+        <p:nvSpPr>
+          <p:cNvPr id="12" name="Rectangle 11">
+            <a:extLst>
+              <a:ext uri="{FF2B5EF4-FFF2-40B4-BE49-F238E27FC236}">
+                <a16:creationId xmlns:a16="http://schemas.microsoft.com/office/drawing/2014/main" id="{32BC26D8-82FB-445E-AA49-62A77D7C1EE0}"/>
+              </a:ext>
+              <a:ext uri="{C183D7F6-B498-43B3-948B-1728B52AA6E4}">
+                <adec:decorative xmlns:adec="http://schemas.microsoft.com/office/drawing/2017/decorative" val="1"/>
+              </a:ext>
+            </a:extLst>
+          </p:cNvPr>
+          <p:cNvSpPr>
+            <a:spLocks noGrp="1" noRot="1" noChangeAspect="1" noMove="1" noResize="1" noEditPoints="1" noAdjustHandles="1" noChangeArrowheads="1" noChangeShapeType="1" noTextEdit="1"/>
+          </p:cNvSpPr>
+          <p:nvPr>
+            <p:extLst>
+              <p:ext uri="{386F3935-93C4-4BCD-93E2-E3B085C9AB24}">
+                <p16:designElem xmlns:p16="http://schemas.microsoft.com/office/powerpoint/2015/main" val="1"/>
+              </p:ext>
+            </p:extLst>
+          </p:nvPr>
+        </p:nvSpPr>
+        <p:spPr>
+          <a:xfrm>
+            <a:off x="0" y="0"/>
+            <a:ext cx="12192000" cy="6858000"/>
+          </a:xfrm>
+          <a:prstGeom prst="rect">
+            <a:avLst/>
+          </a:prstGeom>
+          <a:solidFill>
+            <a:srgbClr val="5C4A45"/>
+          </a:solidFill>
+          <a:ln>
+            <a:noFill/>
+          </a:ln>
+        </p:spPr>
+        <p:style>
+          <a:lnRef idx="2">
+            <a:schemeClr val="accent1">
+              <a:shade val="50000"/>
+            </a:schemeClr>
+          </a:lnRef>
+          <a:fillRef idx="1">
+            <a:schemeClr val="accent1"/>
+          </a:fillRef>
+          <a:effectRef idx="0">
+            <a:schemeClr val="accent1"/>
+          </a:effectRef>
+          <a:fontRef idx="minor">
+            <a:schemeClr val="lt1"/>
+          </a:fontRef>
+        </p:style>
+        <p:txBody>
+          <a:bodyPr rtlCol="0" anchor="ctr"/>
+          <a:lstStyle/>
+          <a:p>
+            <a:pPr algn="ctr"/>
+            <a:endParaRPr lang="en-US"/>
+          </a:p>
+        </p:txBody>
+      </p:sp>
+      <p:sp>
+        <p:nvSpPr>
+          <p:cNvPr id="14" name="Rectangle 13">
+            <a:extLst>
+              <a:ext uri="{FF2B5EF4-FFF2-40B4-BE49-F238E27FC236}">
+                <a16:creationId xmlns:a16="http://schemas.microsoft.com/office/drawing/2014/main" id="{CB44330D-EA18-4254-AA95-EB49948539B8}"/>
+              </a:ext>
+              <a:ext uri="{C183D7F6-B498-43B3-948B-1728B52AA6E4}">
+                <adec:decorative xmlns:adec="http://schemas.microsoft.com/office/drawing/2017/decorative" val="1"/>
+              </a:ext>
+            </a:extLst>
+          </p:cNvPr>
+          <p:cNvSpPr>
+            <a:spLocks noGrp="1" noRot="1" noChangeAspect="1" noMove="1" noResize="1" noEditPoints="1" noAdjustHandles="1" noChangeArrowheads="1" noChangeShapeType="1" noTextEdit="1"/>
+          </p:cNvSpPr>
+          <p:nvPr>
+            <p:extLst>
+              <p:ext uri="{386F3935-93C4-4BCD-93E2-E3B085C9AB24}">
+                <p16:designElem xmlns:p16="http://schemas.microsoft.com/office/powerpoint/2015/main" val="1"/>
+              </p:ext>
+            </p:extLst>
+          </p:nvPr>
+        </p:nvSpPr>
+        <p:spPr>
+          <a:xfrm>
+            <a:off x="477012" y="480060"/>
+            <a:ext cx="11237976" cy="5897880"/>
+          </a:xfrm>
+          <a:prstGeom prst="rect">
+            <a:avLst/>
+          </a:prstGeom>
+          <a:solidFill>
+            <a:srgbClr val="FFFFFF"/>
+          </a:solidFill>
+          <a:ln>
+            <a:noFill/>
+          </a:ln>
+        </p:spPr>
+        <p:style>
+          <a:lnRef idx="2">
+            <a:schemeClr val="accent1">
+              <a:shade val="50000"/>
+            </a:schemeClr>
+          </a:lnRef>
+          <a:fillRef idx="1">
+            <a:schemeClr val="accent1"/>
+          </a:fillRef>
+          <a:effectRef idx="0">
+            <a:schemeClr val="accent1"/>
+          </a:effectRef>
+          <a:fontRef idx="minor">
+            <a:schemeClr val="lt1"/>
+          </a:fontRef>
+        </p:style>
+        <p:txBody>
+          <a:bodyPr rtlCol="0" anchor="ctr"/>
+          <a:lstStyle/>
+          <a:p>
+            <a:pPr algn="ctr"/>
+            <a:endParaRPr lang="en-US"/>
+          </a:p>
+        </p:txBody>
+      </p:sp>
+      <p:pic>
+        <p:nvPicPr>
+          <p:cNvPr id="7" name="図 6" descr="グラフィカル ユーザー インターフェイス&#10;&#10;自動的に生成された説明">
+            <a:extLst>
+              <a:ext uri="{FF2B5EF4-FFF2-40B4-BE49-F238E27FC236}">
+                <a16:creationId xmlns:a16="http://schemas.microsoft.com/office/drawing/2014/main" id="{73E63233-7CC6-4DB7-AD16-256F24E0767C}"/>
+              </a:ext>
+            </a:extLst>
+          </p:cNvPr>
+          <p:cNvPicPr>
+            <a:picLocks noChangeAspect="1"/>
+          </p:cNvPicPr>
+          <p:nvPr/>
+        </p:nvPicPr>
+        <p:blipFill>
+          <a:blip r:embed="rId2"/>
+          <a:stretch>
+            <a:fillRect/>
+          </a:stretch>
+        </p:blipFill>
+        <p:spPr>
+          <a:xfrm>
+            <a:off x="2719596" y="643467"/>
+            <a:ext cx="6752807" cy="5571066"/>
+          </a:xfrm>
+          <a:prstGeom prst="rect">
+            <a:avLst/>
+          </a:prstGeom>
+        </p:spPr>
+      </p:pic>
+      <p:sp>
+        <p:nvSpPr>
+          <p:cNvPr id="8" name="矢印: 右 7">
+            <a:extLst>
+              <a:ext uri="{FF2B5EF4-FFF2-40B4-BE49-F238E27FC236}">
+                <a16:creationId xmlns:a16="http://schemas.microsoft.com/office/drawing/2014/main" id="{14343767-4470-48BE-95DB-C63F3E23C3EB}"/>
+              </a:ext>
+            </a:extLst>
+          </p:cNvPr>
+          <p:cNvSpPr/>
+          <p:nvPr/>
+        </p:nvSpPr>
+        <p:spPr>
+          <a:xfrm rot="2352415">
+            <a:off x="2013007" y="4986982"/>
+            <a:ext cx="784724" cy="603849"/>
+          </a:xfrm>
+          <a:prstGeom prst="rightArrow">
+            <a:avLst/>
+          </a:prstGeom>
+        </p:spPr>
+        <p:style>
+          <a:lnRef idx="2">
+            <a:schemeClr val="accent1">
+              <a:shade val="50000"/>
+            </a:schemeClr>
+          </a:lnRef>
+          <a:fillRef idx="1">
+            <a:schemeClr val="accent1"/>
+          </a:fillRef>
+          <a:effectRef idx="0">
+            <a:schemeClr val="accent1"/>
+          </a:effectRef>
+          <a:fontRef idx="minor">
+            <a:schemeClr val="lt1"/>
+          </a:fontRef>
+        </p:style>
+        <p:txBody>
+          <a:bodyPr rtlCol="0" anchor="ctr"/>
+          <a:lstStyle/>
+          <a:p>
+            <a:pPr algn="ctr"/>
+            <a:endParaRPr kumimoji="1" lang="ja-JP" altLang="en-US"/>
+          </a:p>
+        </p:txBody>
+      </p:sp>
+      <p:sp>
+        <p:nvSpPr>
+          <p:cNvPr id="9" name="正方形/長方形 8">
+            <a:extLst>
+              <a:ext uri="{FF2B5EF4-FFF2-40B4-BE49-F238E27FC236}">
+                <a16:creationId xmlns:a16="http://schemas.microsoft.com/office/drawing/2014/main" id="{194ABC47-B45F-4E0C-85F7-A01D97C3D1D2}"/>
+              </a:ext>
+            </a:extLst>
+          </p:cNvPr>
+          <p:cNvSpPr/>
+          <p:nvPr/>
+        </p:nvSpPr>
+        <p:spPr>
+          <a:xfrm>
+            <a:off x="2719596" y="5532120"/>
+            <a:ext cx="1440924" cy="238760"/>
+          </a:xfrm>
+          <a:prstGeom prst="rect">
+            <a:avLst/>
+          </a:prstGeom>
+          <a:solidFill>
+            <a:srgbClr val="FF0000">
+              <a:alpha val="25000"/>
+            </a:srgbClr>
+          </a:solidFill>
+          <a:ln>
+            <a:noFill/>
+          </a:ln>
+        </p:spPr>
+        <p:style>
+          <a:lnRef idx="2">
+            <a:schemeClr val="accent1">
+              <a:shade val="50000"/>
+            </a:schemeClr>
+          </a:lnRef>
+          <a:fillRef idx="1">
+            <a:schemeClr val="accent1"/>
+          </a:fillRef>
+          <a:effectRef idx="0">
+            <a:schemeClr val="accent1"/>
+          </a:effectRef>
+          <a:fontRef idx="minor">
+            <a:schemeClr val="lt1"/>
+          </a:fontRef>
+        </p:style>
+        <p:txBody>
+          <a:bodyPr rtlCol="0" anchor="ctr"/>
+          <a:lstStyle/>
+          <a:p>
+            <a:pPr algn="ctr"/>
+            <a:endParaRPr kumimoji="1" lang="ja-JP" altLang="en-US"/>
+          </a:p>
+        </p:txBody>
+      </p:sp>
+    </p:spTree>
+    <p:extLst>
+      <p:ext uri="{BB962C8B-B14F-4D97-AF65-F5344CB8AC3E}">
+        <p14:creationId xmlns:p14="http://schemas.microsoft.com/office/powerpoint/2010/main" val="417914771"/>
+      </p:ext>
+    </p:extLst>
+  </p:cSld>
+  <p:clrMapOvr>
+    <a:masterClrMapping/>
+  </p:clrMapOvr>
+</p:sld>
+</file>
+
 <file path=ppt/theme/theme1.xml><?xml version="1.0" encoding="utf-8"?>
 <a:theme xmlns:a="http://schemas.openxmlformats.org/drawingml/2006/main" name="Office テーマ">
   <a:themeElements>

--- a/wiki/v3-example-04_TOTOISE.pptx
+++ b/wiki/v3-example-04_TOTOISE.pptx
@@ -7,6 +7,8 @@
   <p:sldIdLst>
     <p:sldId id="256" r:id="rId2"/>
     <p:sldId id="257" r:id="rId3"/>
+    <p:sldId id="258" r:id="rId4"/>
+    <p:sldId id="259" r:id="rId5"/>
   </p:sldIdLst>
   <p:sldSz cx="12192000" cy="6858000"/>
   <p:notesSz cx="6858000" cy="9144000"/>
@@ -105,6 +107,11 @@
       </a:defRPr>
     </a:lvl9pPr>
   </p:defaultTextStyle>
+  <p:extLst>
+    <p:ext uri="{EFAFB233-063F-42B5-8137-9DF3F51BA10A}">
+      <p15:sldGuideLst xmlns:p15="http://schemas.microsoft.com/office/powerpoint/2012/main"/>
+    </p:ext>
+  </p:extLst>
 </p:presentation>
 </file>
 
@@ -255,7 +262,7 @@
           <a:p>
             <a:fld id="{AD9D6490-CC73-48DF-A904-56F994AF7DF2}" type="datetimeFigureOut">
               <a:rPr kumimoji="1" lang="ja-JP" altLang="en-US" smtClean="0"/>
-              <a:t>2020/12/4</a:t>
+              <a:t>2020/12/5</a:t>
             </a:fld>
             <a:endParaRPr kumimoji="1" lang="ja-JP" altLang="en-US"/>
           </a:p>
@@ -485,7 +492,7 @@
           <a:p>
             <a:fld id="{AD9D6490-CC73-48DF-A904-56F994AF7DF2}" type="datetimeFigureOut">
               <a:rPr kumimoji="1" lang="ja-JP" altLang="en-US" smtClean="0"/>
-              <a:t>2020/12/4</a:t>
+              <a:t>2020/12/5</a:t>
             </a:fld>
             <a:endParaRPr kumimoji="1" lang="ja-JP" altLang="en-US"/>
           </a:p>
@@ -725,7 +732,7 @@
           <a:p>
             <a:fld id="{AD9D6490-CC73-48DF-A904-56F994AF7DF2}" type="datetimeFigureOut">
               <a:rPr kumimoji="1" lang="ja-JP" altLang="en-US" smtClean="0"/>
-              <a:t>2020/12/4</a:t>
+              <a:t>2020/12/5</a:t>
             </a:fld>
             <a:endParaRPr kumimoji="1" lang="ja-JP" altLang="en-US"/>
           </a:p>
@@ -955,7 +962,7 @@
           <a:p>
             <a:fld id="{AD9D6490-CC73-48DF-A904-56F994AF7DF2}" type="datetimeFigureOut">
               <a:rPr kumimoji="1" lang="ja-JP" altLang="en-US" smtClean="0"/>
-              <a:t>2020/12/4</a:t>
+              <a:t>2020/12/5</a:t>
             </a:fld>
             <a:endParaRPr kumimoji="1" lang="ja-JP" altLang="en-US"/>
           </a:p>
@@ -1230,7 +1237,7 @@
           <a:p>
             <a:fld id="{AD9D6490-CC73-48DF-A904-56F994AF7DF2}" type="datetimeFigureOut">
               <a:rPr kumimoji="1" lang="ja-JP" altLang="en-US" smtClean="0"/>
-              <a:t>2020/12/4</a:t>
+              <a:t>2020/12/5</a:t>
             </a:fld>
             <a:endParaRPr kumimoji="1" lang="ja-JP" altLang="en-US"/>
           </a:p>
@@ -1559,7 +1566,7 @@
           <a:p>
             <a:fld id="{AD9D6490-CC73-48DF-A904-56F994AF7DF2}" type="datetimeFigureOut">
               <a:rPr kumimoji="1" lang="ja-JP" altLang="en-US" smtClean="0"/>
-              <a:t>2020/12/4</a:t>
+              <a:t>2020/12/5</a:t>
             </a:fld>
             <a:endParaRPr kumimoji="1" lang="ja-JP" altLang="en-US"/>
           </a:p>
@@ -2035,7 +2042,7 @@
           <a:p>
             <a:fld id="{AD9D6490-CC73-48DF-A904-56F994AF7DF2}" type="datetimeFigureOut">
               <a:rPr kumimoji="1" lang="ja-JP" altLang="en-US" smtClean="0"/>
-              <a:t>2020/12/4</a:t>
+              <a:t>2020/12/5</a:t>
             </a:fld>
             <a:endParaRPr kumimoji="1" lang="ja-JP" altLang="en-US"/>
           </a:p>
@@ -2176,7 +2183,7 @@
           <a:p>
             <a:fld id="{AD9D6490-CC73-48DF-A904-56F994AF7DF2}" type="datetimeFigureOut">
               <a:rPr kumimoji="1" lang="ja-JP" altLang="en-US" smtClean="0"/>
-              <a:t>2020/12/4</a:t>
+              <a:t>2020/12/5</a:t>
             </a:fld>
             <a:endParaRPr kumimoji="1" lang="ja-JP" altLang="en-US"/>
           </a:p>
@@ -2289,7 +2296,7 @@
           <a:p>
             <a:fld id="{AD9D6490-CC73-48DF-A904-56F994AF7DF2}" type="datetimeFigureOut">
               <a:rPr kumimoji="1" lang="ja-JP" altLang="en-US" smtClean="0"/>
-              <a:t>2020/12/4</a:t>
+              <a:t>2020/12/5</a:t>
             </a:fld>
             <a:endParaRPr kumimoji="1" lang="ja-JP" altLang="en-US"/>
           </a:p>
@@ -2632,7 +2639,7 @@
           <a:p>
             <a:fld id="{AD9D6490-CC73-48DF-A904-56F994AF7DF2}" type="datetimeFigureOut">
               <a:rPr kumimoji="1" lang="ja-JP" altLang="en-US" smtClean="0"/>
-              <a:t>2020/12/4</a:t>
+              <a:t>2020/12/5</a:t>
             </a:fld>
             <a:endParaRPr kumimoji="1" lang="ja-JP" altLang="en-US"/>
           </a:p>
@@ -2920,7 +2927,7 @@
           <a:p>
             <a:fld id="{AD9D6490-CC73-48DF-A904-56F994AF7DF2}" type="datetimeFigureOut">
               <a:rPr kumimoji="1" lang="ja-JP" altLang="en-US" smtClean="0"/>
-              <a:t>2020/12/4</a:t>
+              <a:t>2020/12/5</a:t>
             </a:fld>
             <a:endParaRPr kumimoji="1" lang="ja-JP" altLang="en-US"/>
           </a:p>
@@ -3193,7 +3200,7 @@
           <a:p>
             <a:fld id="{AD9D6490-CC73-48DF-A904-56F994AF7DF2}" type="datetimeFigureOut">
               <a:rPr kumimoji="1" lang="ja-JP" altLang="en-US" smtClean="0"/>
-              <a:t>2020/12/4</a:t>
+              <a:t>2020/12/5</a:t>
             </a:fld>
             <a:endParaRPr kumimoji="1" lang="ja-JP" altLang="en-US"/>
           </a:p>
@@ -5235,6 +5242,825 @@
 </p:sld>
 </file>
 
+<file path=ppt/slides/slide3.xml><?xml version="1.0" encoding="utf-8"?>
+<p:sld xmlns:a="http://schemas.openxmlformats.org/drawingml/2006/main" xmlns:r="http://schemas.openxmlformats.org/officeDocument/2006/relationships" xmlns:p="http://schemas.openxmlformats.org/presentationml/2006/main">
+  <p:cSld>
+    <p:bg>
+      <p:bgPr>
+        <a:solidFill>
+          <a:schemeClr val="bg1">
+            <a:tint val="95000"/>
+            <a:satMod val="170000"/>
+          </a:schemeClr>
+        </a:solidFill>
+        <a:effectLst/>
+      </p:bgPr>
+    </p:bg>
+    <p:spTree>
+      <p:nvGrpSpPr>
+        <p:cNvPr id="1" name=""/>
+        <p:cNvGrpSpPr/>
+        <p:nvPr/>
+      </p:nvGrpSpPr>
+      <p:grpSpPr>
+        <a:xfrm>
+          <a:off x="0" y="0"/>
+          <a:ext cx="0" cy="0"/>
+          <a:chOff x="0" y="0"/>
+          <a:chExt cx="0" cy="0"/>
+        </a:xfrm>
+      </p:grpSpPr>
+      <p:sp useBgFill="1">
+        <p:nvSpPr>
+          <p:cNvPr id="12" name="Rectangle 11">
+            <a:extLst>
+              <a:ext uri="{FF2B5EF4-FFF2-40B4-BE49-F238E27FC236}">
+                <a16:creationId xmlns:a16="http://schemas.microsoft.com/office/drawing/2014/main" id="{8ABFE404-8D65-4573-A3EF-6DF477936BA3}"/>
+              </a:ext>
+              <a:ext uri="{C183D7F6-B498-43B3-948B-1728B52AA6E4}">
+                <adec:decorative xmlns:adec="http://schemas.microsoft.com/office/drawing/2017/decorative" val="1"/>
+              </a:ext>
+            </a:extLst>
+          </p:cNvPr>
+          <p:cNvSpPr>
+            <a:spLocks noGrp="1" noRot="1" noChangeAspect="1" noMove="1" noResize="1" noEditPoints="1" noAdjustHandles="1" noChangeArrowheads="1" noChangeShapeType="1" noTextEdit="1"/>
+          </p:cNvSpPr>
+          <p:nvPr>
+            <p:extLst>
+              <p:ext uri="{386F3935-93C4-4BCD-93E2-E3B085C9AB24}">
+                <p16:designElem xmlns:p16="http://schemas.microsoft.com/office/powerpoint/2015/main" val="1"/>
+              </p:ext>
+            </p:extLst>
+          </p:nvPr>
+        </p:nvSpPr>
+        <p:spPr>
+          <a:xfrm>
+            <a:off x="0" y="-1"/>
+            <a:ext cx="12192000" cy="6858000"/>
+          </a:xfrm>
+          <a:prstGeom prst="rect">
+            <a:avLst/>
+          </a:prstGeom>
+          <a:ln>
+            <a:noFill/>
+          </a:ln>
+        </p:spPr>
+        <p:style>
+          <a:lnRef idx="2">
+            <a:schemeClr val="accent1">
+              <a:shade val="50000"/>
+            </a:schemeClr>
+          </a:lnRef>
+          <a:fillRef idx="1">
+            <a:schemeClr val="accent1"/>
+          </a:fillRef>
+          <a:effectRef idx="0">
+            <a:schemeClr val="accent1"/>
+          </a:effectRef>
+          <a:fontRef idx="minor">
+            <a:schemeClr val="lt1"/>
+          </a:fontRef>
+        </p:style>
+        <p:txBody>
+          <a:bodyPr rtlCol="0" anchor="ctr"/>
+          <a:lstStyle/>
+          <a:p>
+            <a:pPr marL="0" marR="0" lvl="0" indent="0" algn="ctr" defTabSz="914400" rtl="0" eaLnBrk="1" fontAlgn="auto" latinLnBrk="0" hangingPunct="1">
+              <a:lnSpc>
+                <a:spcPct val="100000"/>
+              </a:lnSpc>
+              <a:spcBef>
+                <a:spcPts val="0"/>
+              </a:spcBef>
+              <a:spcAft>
+                <a:spcPts val="0"/>
+              </a:spcAft>
+              <a:buClrTx/>
+              <a:buSzTx/>
+              <a:buFontTx/>
+              <a:buNone/>
+              <a:tabLst/>
+              <a:defRPr/>
+            </a:pPr>
+            <a:endParaRPr kumimoji="0" lang="en-US" sz="1800" b="0" i="0" u="none" strike="noStrike" kern="1200" cap="none" spc="0" normalizeH="0" baseline="0" noProof="0">
+              <a:ln>
+                <a:noFill/>
+              </a:ln>
+              <a:solidFill>
+                <a:prstClr val="white"/>
+              </a:solidFill>
+              <a:effectLst/>
+              <a:uLnTx/>
+              <a:uFillTx/>
+              <a:latin typeface="Tw Cen MT" panose="020B0602020104020603"/>
+              <a:ea typeface="+mn-ea"/>
+              <a:cs typeface="+mn-cs"/>
+            </a:endParaRPr>
+          </a:p>
+        </p:txBody>
+      </p:sp>
+      <p:sp>
+        <p:nvSpPr>
+          <p:cNvPr id="2" name="タイトル 1">
+            <a:extLst>
+              <a:ext uri="{FF2B5EF4-FFF2-40B4-BE49-F238E27FC236}">
+                <a16:creationId xmlns:a16="http://schemas.microsoft.com/office/drawing/2014/main" id="{3915E357-F6E9-4DFB-83F3-43524FD1DF9A}"/>
+              </a:ext>
+            </a:extLst>
+          </p:cNvPr>
+          <p:cNvSpPr>
+            <a:spLocks noGrp="1"/>
+          </p:cNvSpPr>
+          <p:nvPr>
+            <p:ph type="title"/>
+          </p:nvPr>
+        </p:nvSpPr>
+        <p:spPr>
+          <a:xfrm>
+            <a:off x="673749" y="4610244"/>
+            <a:ext cx="3649703" cy="1714500"/>
+          </a:xfrm>
+        </p:spPr>
+        <p:txBody>
+          <a:bodyPr>
+            <a:normAutofit/>
+          </a:bodyPr>
+          <a:lstStyle/>
+          <a:p>
+            <a:r>
+              <a:rPr kumimoji="1" lang="en-US" altLang="ja-JP" sz="2800" dirty="0"/>
+              <a:t>StateGo</a:t>
+            </a:r>
+            <a:br>
+              <a:rPr kumimoji="1" lang="en-US" altLang="ja-JP" sz="2800" dirty="0"/>
+            </a:br>
+            <a:r>
+              <a:rPr lang="en-US" altLang="ja-JP" sz="2800" dirty="0"/>
+              <a:t>CALC</a:t>
+            </a:r>
+            <a:r>
+              <a:rPr lang="ja-JP" altLang="en-US" sz="2800" dirty="0"/>
+              <a:t>ステート</a:t>
+            </a:r>
+            <a:endParaRPr kumimoji="1" lang="ja-JP" altLang="en-US" sz="2800" dirty="0"/>
+          </a:p>
+        </p:txBody>
+      </p:sp>
+      <p:pic>
+        <p:nvPicPr>
+          <p:cNvPr id="5" name="図 4">
+            <a:extLst>
+              <a:ext uri="{FF2B5EF4-FFF2-40B4-BE49-F238E27FC236}">
+                <a16:creationId xmlns:a16="http://schemas.microsoft.com/office/drawing/2014/main" id="{B85D0ADD-7327-4BDC-9932-81FED1DDDC47}"/>
+              </a:ext>
+            </a:extLst>
+          </p:cNvPr>
+          <p:cNvPicPr>
+            <a:picLocks noChangeAspect="1"/>
+          </p:cNvPicPr>
+          <p:nvPr/>
+        </p:nvPicPr>
+        <p:blipFill rotWithShape="1">
+          <a:blip r:embed="rId2"/>
+          <a:srcRect r="-1" b="8237"/>
+          <a:stretch/>
+        </p:blipFill>
+        <p:spPr>
+          <a:xfrm>
+            <a:off x="673749" y="370320"/>
+            <a:ext cx="3716238" cy="4051011"/>
+          </a:xfrm>
+          <a:prstGeom prst="rect">
+            <a:avLst/>
+          </a:prstGeom>
+        </p:spPr>
+      </p:pic>
+      <p:pic>
+        <p:nvPicPr>
+          <p:cNvPr id="7" name="図 6">
+            <a:extLst>
+              <a:ext uri="{FF2B5EF4-FFF2-40B4-BE49-F238E27FC236}">
+                <a16:creationId xmlns:a16="http://schemas.microsoft.com/office/drawing/2014/main" id="{B8A1CAB8-646B-4BBA-8835-7019A8F33D30}"/>
+              </a:ext>
+            </a:extLst>
+          </p:cNvPr>
+          <p:cNvPicPr>
+            <a:picLocks noChangeAspect="1"/>
+          </p:cNvPicPr>
+          <p:nvPr/>
+        </p:nvPicPr>
+        <p:blipFill rotWithShape="1">
+          <a:blip r:embed="rId3"/>
+          <a:srcRect t="1970" r="-2" b="10406"/>
+          <a:stretch/>
+        </p:blipFill>
+        <p:spPr>
+          <a:xfrm>
+            <a:off x="4719344" y="370320"/>
+            <a:ext cx="6798905" cy="4051011"/>
+          </a:xfrm>
+          <a:prstGeom prst="rect">
+            <a:avLst/>
+          </a:prstGeom>
+        </p:spPr>
+      </p:pic>
+      <p:cxnSp>
+        <p:nvCxnSpPr>
+          <p:cNvPr id="14" name="Straight Connector 13">
+            <a:extLst>
+              <a:ext uri="{FF2B5EF4-FFF2-40B4-BE49-F238E27FC236}">
+                <a16:creationId xmlns:a16="http://schemas.microsoft.com/office/drawing/2014/main" id="{AF5191F1-A1C8-4AEE-8007-DF304E42B15E}"/>
+              </a:ext>
+              <a:ext uri="{C183D7F6-B498-43B3-948B-1728B52AA6E4}">
+                <adec:decorative xmlns:adec="http://schemas.microsoft.com/office/drawing/2017/decorative" val="1"/>
+              </a:ext>
+            </a:extLst>
+          </p:cNvPr>
+          <p:cNvCxnSpPr>
+            <a:cxnSpLocks noGrp="1" noRot="1" noChangeAspect="1" noMove="1" noResize="1" noEditPoints="1" noAdjustHandles="1" noChangeArrowheads="1" noChangeShapeType="1"/>
+          </p:cNvCxnSpPr>
+          <p:nvPr>
+            <p:extLst>
+              <p:ext uri="{386F3935-93C4-4BCD-93E2-E3B085C9AB24}">
+                <p16:designElem xmlns:p16="http://schemas.microsoft.com/office/powerpoint/2015/main" val="1"/>
+              </p:ext>
+            </p:extLst>
+          </p:nvPr>
+        </p:nvCxnSpPr>
+        <p:spPr>
+          <a:xfrm>
+            <a:off x="4547363" y="4750763"/>
+            <a:ext cx="0" cy="1371600"/>
+          </a:xfrm>
+          <a:prstGeom prst="line">
+            <a:avLst/>
+          </a:prstGeom>
+          <a:ln w="15875">
+            <a:solidFill>
+              <a:schemeClr val="tx1"/>
+            </a:solidFill>
+          </a:ln>
+        </p:spPr>
+        <p:style>
+          <a:lnRef idx="1">
+            <a:schemeClr val="accent1"/>
+          </a:lnRef>
+          <a:fillRef idx="0">
+            <a:schemeClr val="accent1"/>
+          </a:fillRef>
+          <a:effectRef idx="0">
+            <a:schemeClr val="accent1"/>
+          </a:effectRef>
+          <a:fontRef idx="minor">
+            <a:schemeClr val="tx1"/>
+          </a:fontRef>
+        </p:style>
+      </p:cxnSp>
+      <p:sp>
+        <p:nvSpPr>
+          <p:cNvPr id="3" name="コンテンツ プレースホルダー 2">
+            <a:extLst>
+              <a:ext uri="{FF2B5EF4-FFF2-40B4-BE49-F238E27FC236}">
+                <a16:creationId xmlns:a16="http://schemas.microsoft.com/office/drawing/2014/main" id="{7B08B621-8317-45E4-AD52-741E9EE95305}"/>
+              </a:ext>
+            </a:extLst>
+          </p:cNvPr>
+          <p:cNvSpPr>
+            <a:spLocks noGrp="1"/>
+          </p:cNvSpPr>
+          <p:nvPr>
+            <p:ph idx="1"/>
+          </p:nvPr>
+        </p:nvSpPr>
+        <p:spPr>
+          <a:xfrm>
+            <a:off x="4793019" y="4610244"/>
+            <a:ext cx="6725232" cy="1714500"/>
+          </a:xfrm>
+        </p:spPr>
+        <p:txBody>
+          <a:bodyPr anchor="ctr">
+            <a:normAutofit/>
+          </a:bodyPr>
+          <a:lstStyle/>
+          <a:p>
+            <a:pPr marL="0" indent="0">
+              <a:buNone/>
+            </a:pPr>
+            <a:endParaRPr kumimoji="1" lang="ja-JP" altLang="en-US" sz="1700" dirty="0"/>
+          </a:p>
+        </p:txBody>
+      </p:sp>
+      <p:sp>
+        <p:nvSpPr>
+          <p:cNvPr id="8" name="正方形/長方形 7">
+            <a:extLst>
+              <a:ext uri="{FF2B5EF4-FFF2-40B4-BE49-F238E27FC236}">
+                <a16:creationId xmlns:a16="http://schemas.microsoft.com/office/drawing/2014/main" id="{D962DA3F-1050-46B9-9A4D-3B18CB31004A}"/>
+              </a:ext>
+            </a:extLst>
+          </p:cNvPr>
+          <p:cNvSpPr/>
+          <p:nvPr/>
+        </p:nvSpPr>
+        <p:spPr>
+          <a:xfrm>
+            <a:off x="5231219" y="1233377"/>
+            <a:ext cx="5528930" cy="1743739"/>
+          </a:xfrm>
+          <a:prstGeom prst="rect">
+            <a:avLst/>
+          </a:prstGeom>
+          <a:noFill/>
+          <a:ln w="38100">
+            <a:solidFill>
+              <a:srgbClr val="92D050"/>
+            </a:solidFill>
+          </a:ln>
+        </p:spPr>
+        <p:style>
+          <a:lnRef idx="2">
+            <a:schemeClr val="accent1">
+              <a:shade val="50000"/>
+            </a:schemeClr>
+          </a:lnRef>
+          <a:fillRef idx="1">
+            <a:schemeClr val="accent1"/>
+          </a:fillRef>
+          <a:effectRef idx="0">
+            <a:schemeClr val="accent1"/>
+          </a:effectRef>
+          <a:fontRef idx="minor">
+            <a:schemeClr val="lt1"/>
+          </a:fontRef>
+        </p:style>
+        <p:txBody>
+          <a:bodyPr rtlCol="0" anchor="ctr"/>
+          <a:lstStyle/>
+          <a:p>
+            <a:pPr algn="ctr"/>
+            <a:endParaRPr kumimoji="1" lang="ja-JP" altLang="en-US"/>
+          </a:p>
+        </p:txBody>
+      </p:sp>
+      <p:sp>
+        <p:nvSpPr>
+          <p:cNvPr id="9" name="矢印: 右 8">
+            <a:extLst>
+              <a:ext uri="{FF2B5EF4-FFF2-40B4-BE49-F238E27FC236}">
+                <a16:creationId xmlns:a16="http://schemas.microsoft.com/office/drawing/2014/main" id="{369F4E13-CE27-46A0-89F5-BCC37FAE8C57}"/>
+              </a:ext>
+            </a:extLst>
+          </p:cNvPr>
+          <p:cNvSpPr/>
+          <p:nvPr/>
+        </p:nvSpPr>
+        <p:spPr>
+          <a:xfrm>
+            <a:off x="4119270" y="1979802"/>
+            <a:ext cx="1048345" cy="578840"/>
+          </a:xfrm>
+          <a:prstGeom prst="rightArrow">
+            <a:avLst/>
+          </a:prstGeom>
+        </p:spPr>
+        <p:style>
+          <a:lnRef idx="2">
+            <a:schemeClr val="accent6"/>
+          </a:lnRef>
+          <a:fillRef idx="1">
+            <a:schemeClr val="lt1"/>
+          </a:fillRef>
+          <a:effectRef idx="0">
+            <a:schemeClr val="accent6"/>
+          </a:effectRef>
+          <a:fontRef idx="minor">
+            <a:schemeClr val="dk1"/>
+          </a:fontRef>
+        </p:style>
+        <p:txBody>
+          <a:bodyPr rtlCol="0" anchor="ctr"/>
+          <a:lstStyle/>
+          <a:p>
+            <a:pPr algn="ctr"/>
+            <a:endParaRPr kumimoji="1" lang="ja-JP" altLang="en-US"/>
+          </a:p>
+        </p:txBody>
+      </p:sp>
+    </p:spTree>
+    <p:extLst>
+      <p:ext uri="{BB962C8B-B14F-4D97-AF65-F5344CB8AC3E}">
+        <p14:creationId xmlns:p14="http://schemas.microsoft.com/office/powerpoint/2010/main" val="3992639367"/>
+      </p:ext>
+    </p:extLst>
+  </p:cSld>
+  <p:clrMapOvr>
+    <a:overrideClrMapping bg1="dk1" tx1="lt1" bg2="dk2" tx2="lt2" accent1="accent1" accent2="accent2" accent3="accent3" accent4="accent4" accent5="accent5" accent6="accent6" hlink="hlink" folHlink="folHlink"/>
+  </p:clrMapOvr>
+</p:sld>
+</file>
+
+<file path=ppt/slides/slide4.xml><?xml version="1.0" encoding="utf-8"?>
+<p:sld xmlns:a="http://schemas.openxmlformats.org/drawingml/2006/main" xmlns:r="http://schemas.openxmlformats.org/officeDocument/2006/relationships" xmlns:p="http://schemas.openxmlformats.org/presentationml/2006/main">
+  <p:cSld>
+    <p:bg>
+      <p:bgPr>
+        <a:solidFill>
+          <a:schemeClr val="bg1">
+            <a:tint val="95000"/>
+            <a:satMod val="170000"/>
+          </a:schemeClr>
+        </a:solidFill>
+        <a:effectLst/>
+      </p:bgPr>
+    </p:bg>
+    <p:spTree>
+      <p:nvGrpSpPr>
+        <p:cNvPr id="1" name=""/>
+        <p:cNvGrpSpPr/>
+        <p:nvPr/>
+      </p:nvGrpSpPr>
+      <p:grpSpPr>
+        <a:xfrm>
+          <a:off x="0" y="0"/>
+          <a:ext cx="0" cy="0"/>
+          <a:chOff x="0" y="0"/>
+          <a:chExt cx="0" cy="0"/>
+        </a:xfrm>
+      </p:grpSpPr>
+      <p:sp useBgFill="1">
+        <p:nvSpPr>
+          <p:cNvPr id="14" name="Rectangle 13">
+            <a:extLst>
+              <a:ext uri="{FF2B5EF4-FFF2-40B4-BE49-F238E27FC236}">
+                <a16:creationId xmlns:a16="http://schemas.microsoft.com/office/drawing/2014/main" id="{8ABFE404-8D65-4573-A3EF-6DF477936BA3}"/>
+              </a:ext>
+              <a:ext uri="{C183D7F6-B498-43B3-948B-1728B52AA6E4}">
+                <adec:decorative xmlns:adec="http://schemas.microsoft.com/office/drawing/2017/decorative" val="1"/>
+              </a:ext>
+            </a:extLst>
+          </p:cNvPr>
+          <p:cNvSpPr>
+            <a:spLocks noGrp="1" noRot="1" noChangeAspect="1" noMove="1" noResize="1" noEditPoints="1" noAdjustHandles="1" noChangeArrowheads="1" noChangeShapeType="1" noTextEdit="1"/>
+          </p:cNvSpPr>
+          <p:nvPr>
+            <p:extLst>
+              <p:ext uri="{386F3935-93C4-4BCD-93E2-E3B085C9AB24}">
+                <p16:designElem xmlns:p16="http://schemas.microsoft.com/office/powerpoint/2015/main" val="1"/>
+              </p:ext>
+            </p:extLst>
+          </p:nvPr>
+        </p:nvSpPr>
+        <p:spPr>
+          <a:xfrm>
+            <a:off x="0" y="-1"/>
+            <a:ext cx="12192000" cy="6858000"/>
+          </a:xfrm>
+          <a:prstGeom prst="rect">
+            <a:avLst/>
+          </a:prstGeom>
+          <a:ln>
+            <a:noFill/>
+          </a:ln>
+        </p:spPr>
+        <p:style>
+          <a:lnRef idx="2">
+            <a:schemeClr val="accent1">
+              <a:shade val="50000"/>
+            </a:schemeClr>
+          </a:lnRef>
+          <a:fillRef idx="1">
+            <a:schemeClr val="accent1"/>
+          </a:fillRef>
+          <a:effectRef idx="0">
+            <a:schemeClr val="accent1"/>
+          </a:effectRef>
+          <a:fontRef idx="minor">
+            <a:schemeClr val="lt1"/>
+          </a:fontRef>
+        </p:style>
+        <p:txBody>
+          <a:bodyPr rtlCol="0" anchor="ctr"/>
+          <a:lstStyle/>
+          <a:p>
+            <a:pPr marL="0" marR="0" lvl="0" indent="0" algn="ctr" defTabSz="914400" rtl="0" eaLnBrk="1" fontAlgn="auto" latinLnBrk="0" hangingPunct="1">
+              <a:lnSpc>
+                <a:spcPct val="100000"/>
+              </a:lnSpc>
+              <a:spcBef>
+                <a:spcPts val="0"/>
+              </a:spcBef>
+              <a:spcAft>
+                <a:spcPts val="0"/>
+              </a:spcAft>
+              <a:buClrTx/>
+              <a:buSzTx/>
+              <a:buFontTx/>
+              <a:buNone/>
+              <a:tabLst/>
+              <a:defRPr/>
+            </a:pPr>
+            <a:endParaRPr kumimoji="0" lang="en-US" sz="1800" b="0" i="0" u="none" strike="noStrike" kern="1200" cap="none" spc="0" normalizeH="0" baseline="0" noProof="0">
+              <a:ln>
+                <a:noFill/>
+              </a:ln>
+              <a:solidFill>
+                <a:prstClr val="white"/>
+              </a:solidFill>
+              <a:effectLst/>
+              <a:uLnTx/>
+              <a:uFillTx/>
+              <a:latin typeface="Tw Cen MT" panose="020B0602020104020603"/>
+              <a:ea typeface="+mn-ea"/>
+              <a:cs typeface="+mn-cs"/>
+            </a:endParaRPr>
+          </a:p>
+        </p:txBody>
+      </p:sp>
+      <p:sp>
+        <p:nvSpPr>
+          <p:cNvPr id="2" name="タイトル 1">
+            <a:extLst>
+              <a:ext uri="{FF2B5EF4-FFF2-40B4-BE49-F238E27FC236}">
+                <a16:creationId xmlns:a16="http://schemas.microsoft.com/office/drawing/2014/main" id="{8BF7A1D1-75D8-4F07-84DF-EBFEB0E89E32}"/>
+              </a:ext>
+            </a:extLst>
+          </p:cNvPr>
+          <p:cNvSpPr>
+            <a:spLocks noGrp="1"/>
+          </p:cNvSpPr>
+          <p:nvPr>
+            <p:ph type="title"/>
+          </p:nvPr>
+        </p:nvSpPr>
+        <p:spPr>
+          <a:xfrm>
+            <a:off x="673749" y="4610244"/>
+            <a:ext cx="3649703" cy="1714500"/>
+          </a:xfrm>
+        </p:spPr>
+        <p:txBody>
+          <a:bodyPr>
+            <a:normAutofit/>
+          </a:bodyPr>
+          <a:lstStyle/>
+          <a:p>
+            <a:endParaRPr kumimoji="1" lang="ja-JP" altLang="en-US" sz="2800"/>
+          </a:p>
+        </p:txBody>
+      </p:sp>
+      <p:pic>
+        <p:nvPicPr>
+          <p:cNvPr id="7" name="図 6" descr="テキスト&#10;&#10;自動的に生成された説明">
+            <a:extLst>
+              <a:ext uri="{FF2B5EF4-FFF2-40B4-BE49-F238E27FC236}">
+                <a16:creationId xmlns:a16="http://schemas.microsoft.com/office/drawing/2014/main" id="{BF53CC31-71BA-4153-BCF9-2DE2E3356CC5}"/>
+              </a:ext>
+            </a:extLst>
+          </p:cNvPr>
+          <p:cNvPicPr>
+            <a:picLocks noChangeAspect="1"/>
+          </p:cNvPicPr>
+          <p:nvPr/>
+        </p:nvPicPr>
+        <p:blipFill rotWithShape="1">
+          <a:blip r:embed="rId2"/>
+          <a:srcRect r="5039" b="2"/>
+          <a:stretch/>
+        </p:blipFill>
+        <p:spPr>
+          <a:xfrm>
+            <a:off x="4719344" y="370320"/>
+            <a:ext cx="6798905" cy="4051011"/>
+          </a:xfrm>
+          <a:prstGeom prst="rect">
+            <a:avLst/>
+          </a:prstGeom>
+        </p:spPr>
+      </p:pic>
+      <p:cxnSp>
+        <p:nvCxnSpPr>
+          <p:cNvPr id="16" name="Straight Connector 15">
+            <a:extLst>
+              <a:ext uri="{FF2B5EF4-FFF2-40B4-BE49-F238E27FC236}">
+                <a16:creationId xmlns:a16="http://schemas.microsoft.com/office/drawing/2014/main" id="{AF5191F1-A1C8-4AEE-8007-DF304E42B15E}"/>
+              </a:ext>
+              <a:ext uri="{C183D7F6-B498-43B3-948B-1728B52AA6E4}">
+                <adec:decorative xmlns:adec="http://schemas.microsoft.com/office/drawing/2017/decorative" val="1"/>
+              </a:ext>
+            </a:extLst>
+          </p:cNvPr>
+          <p:cNvCxnSpPr>
+            <a:cxnSpLocks noGrp="1" noRot="1" noChangeAspect="1" noMove="1" noResize="1" noEditPoints="1" noAdjustHandles="1" noChangeArrowheads="1" noChangeShapeType="1"/>
+          </p:cNvCxnSpPr>
+          <p:nvPr>
+            <p:extLst>
+              <p:ext uri="{386F3935-93C4-4BCD-93E2-E3B085C9AB24}">
+                <p16:designElem xmlns:p16="http://schemas.microsoft.com/office/powerpoint/2015/main" val="1"/>
+              </p:ext>
+            </p:extLst>
+          </p:nvPr>
+        </p:nvCxnSpPr>
+        <p:spPr>
+          <a:xfrm>
+            <a:off x="4547363" y="4750763"/>
+            <a:ext cx="0" cy="1371600"/>
+          </a:xfrm>
+          <a:prstGeom prst="line">
+            <a:avLst/>
+          </a:prstGeom>
+          <a:ln w="15875">
+            <a:solidFill>
+              <a:schemeClr val="tx1"/>
+            </a:solidFill>
+          </a:ln>
+        </p:spPr>
+        <p:style>
+          <a:lnRef idx="1">
+            <a:schemeClr val="accent1"/>
+          </a:lnRef>
+          <a:fillRef idx="0">
+            <a:schemeClr val="accent1"/>
+          </a:fillRef>
+          <a:effectRef idx="0">
+            <a:schemeClr val="accent1"/>
+          </a:effectRef>
+          <a:fontRef idx="minor">
+            <a:schemeClr val="tx1"/>
+          </a:fontRef>
+        </p:style>
+      </p:cxnSp>
+      <p:sp>
+        <p:nvSpPr>
+          <p:cNvPr id="11" name="Content Placeholder 10">
+            <a:extLst>
+              <a:ext uri="{FF2B5EF4-FFF2-40B4-BE49-F238E27FC236}">
+                <a16:creationId xmlns:a16="http://schemas.microsoft.com/office/drawing/2014/main" id="{7ECF37D9-15D4-4C22-9489-2CC38B2EE237}"/>
+              </a:ext>
+            </a:extLst>
+          </p:cNvPr>
+          <p:cNvSpPr>
+            <a:spLocks noGrp="1"/>
+          </p:cNvSpPr>
+          <p:nvPr>
+            <p:ph idx="1"/>
+          </p:nvPr>
+        </p:nvSpPr>
+        <p:spPr>
+          <a:xfrm>
+            <a:off x="4793019" y="4610244"/>
+            <a:ext cx="6725232" cy="1714500"/>
+          </a:xfrm>
+        </p:spPr>
+        <p:txBody>
+          <a:bodyPr anchor="ctr">
+            <a:normAutofit/>
+          </a:bodyPr>
+          <a:lstStyle/>
+          <a:p>
+            <a:endParaRPr lang="en-US" sz="1700" dirty="0"/>
+          </a:p>
+        </p:txBody>
+      </p:sp>
+      <p:sp>
+        <p:nvSpPr>
+          <p:cNvPr id="8" name="正方形/長方形 7">
+            <a:extLst>
+              <a:ext uri="{FF2B5EF4-FFF2-40B4-BE49-F238E27FC236}">
+                <a16:creationId xmlns:a16="http://schemas.microsoft.com/office/drawing/2014/main" id="{418FE306-23F0-483C-9871-C0A9E22E6548}"/>
+              </a:ext>
+            </a:extLst>
+          </p:cNvPr>
+          <p:cNvSpPr/>
+          <p:nvPr/>
+        </p:nvSpPr>
+        <p:spPr>
+          <a:xfrm>
+            <a:off x="4719344" y="1616149"/>
+            <a:ext cx="6008907" cy="2307265"/>
+          </a:xfrm>
+          <a:prstGeom prst="rect">
+            <a:avLst/>
+          </a:prstGeom>
+          <a:noFill/>
+          <a:ln w="76200">
+            <a:solidFill>
+              <a:srgbClr val="92D050"/>
+            </a:solidFill>
+          </a:ln>
+        </p:spPr>
+        <p:style>
+          <a:lnRef idx="2">
+            <a:schemeClr val="accent1">
+              <a:shade val="50000"/>
+            </a:schemeClr>
+          </a:lnRef>
+          <a:fillRef idx="1">
+            <a:schemeClr val="accent1"/>
+          </a:fillRef>
+          <a:effectRef idx="0">
+            <a:schemeClr val="accent1"/>
+          </a:effectRef>
+          <a:fontRef idx="minor">
+            <a:schemeClr val="lt1"/>
+          </a:fontRef>
+        </p:style>
+        <p:txBody>
+          <a:bodyPr rtlCol="0" anchor="ctr"/>
+          <a:lstStyle/>
+          <a:p>
+            <a:pPr algn="ctr"/>
+            <a:endParaRPr kumimoji="1" lang="ja-JP" altLang="en-US"/>
+          </a:p>
+        </p:txBody>
+      </p:sp>
+      <p:pic>
+        <p:nvPicPr>
+          <p:cNvPr id="10" name="図 9">
+            <a:extLst>
+              <a:ext uri="{FF2B5EF4-FFF2-40B4-BE49-F238E27FC236}">
+                <a16:creationId xmlns:a16="http://schemas.microsoft.com/office/drawing/2014/main" id="{65345791-9835-4F8C-AD91-3A272C7290F3}"/>
+              </a:ext>
+            </a:extLst>
+          </p:cNvPr>
+          <p:cNvPicPr>
+            <a:picLocks noChangeAspect="1"/>
+          </p:cNvPicPr>
+          <p:nvPr/>
+        </p:nvPicPr>
+        <p:blipFill>
+          <a:blip r:embed="rId3"/>
+          <a:stretch>
+            <a:fillRect/>
+          </a:stretch>
+        </p:blipFill>
+        <p:spPr>
+          <a:xfrm>
+            <a:off x="1110003" y="194042"/>
+            <a:ext cx="3141371" cy="4304014"/>
+          </a:xfrm>
+          <a:prstGeom prst="rect">
+            <a:avLst/>
+          </a:prstGeom>
+        </p:spPr>
+      </p:pic>
+      <p:sp>
+        <p:nvSpPr>
+          <p:cNvPr id="12" name="矢印: 右 11">
+            <a:extLst>
+              <a:ext uri="{FF2B5EF4-FFF2-40B4-BE49-F238E27FC236}">
+                <a16:creationId xmlns:a16="http://schemas.microsoft.com/office/drawing/2014/main" id="{2B191D69-8EC4-4E84-B54C-22DC2D775708}"/>
+              </a:ext>
+            </a:extLst>
+          </p:cNvPr>
+          <p:cNvSpPr/>
+          <p:nvPr/>
+        </p:nvSpPr>
+        <p:spPr>
+          <a:xfrm>
+            <a:off x="3929346" y="2674371"/>
+            <a:ext cx="863673" cy="659219"/>
+          </a:xfrm>
+          <a:prstGeom prst="rightArrow">
+            <a:avLst/>
+          </a:prstGeom>
+        </p:spPr>
+        <p:style>
+          <a:lnRef idx="2">
+            <a:schemeClr val="accent6"/>
+          </a:lnRef>
+          <a:fillRef idx="1">
+            <a:schemeClr val="lt1"/>
+          </a:fillRef>
+          <a:effectRef idx="0">
+            <a:schemeClr val="accent6"/>
+          </a:effectRef>
+          <a:fontRef idx="minor">
+            <a:schemeClr val="dk1"/>
+          </a:fontRef>
+        </p:style>
+        <p:txBody>
+          <a:bodyPr rtlCol="0" anchor="ctr"/>
+          <a:lstStyle/>
+          <a:p>
+            <a:pPr algn="ctr"/>
+            <a:endParaRPr kumimoji="1" lang="ja-JP" altLang="en-US"/>
+          </a:p>
+        </p:txBody>
+      </p:sp>
+    </p:spTree>
+    <p:extLst>
+      <p:ext uri="{BB962C8B-B14F-4D97-AF65-F5344CB8AC3E}">
+        <p14:creationId xmlns:p14="http://schemas.microsoft.com/office/powerpoint/2010/main" val="240671426"/>
+      </p:ext>
+    </p:extLst>
+  </p:cSld>
+  <p:clrMapOvr>
+    <a:overrideClrMapping bg1="dk1" tx1="lt1" bg2="dk2" tx2="lt2" accent1="accent1" accent2="accent2" accent3="accent3" accent4="accent4" accent5="accent5" accent6="accent6" hlink="hlink" folHlink="folHlink"/>
+  </p:clrMapOvr>
+</p:sld>
+</file>
+
 <file path=ppt/theme/theme1.xml><?xml version="1.0" encoding="utf-8"?>
 <a:theme xmlns:a="http://schemas.openxmlformats.org/drawingml/2006/main" name="Office テーマ">
   <a:themeElements>
